--- a/DI_v2.pptx
+++ b/DI_v2.pptx
@@ -8897,7 +8897,7 @@
           <a:graphicData uri="http://schemas.openxmlformats.org/presentationml/2006/ole">
             <mc:AlternateContent xmlns:mc="http://schemas.openxmlformats.org/markup-compatibility/2006">
               <mc:Choice xmlns:v="urn:schemas-microsoft-com:vml" Requires="v">
-                <p:oleObj spid="_x0000_s1052" name="Document" r:id="rId3" imgW="3860640" imgH="1805040" progId="Word.OpenDocumentText.12">
+                <p:oleObj spid="_x0000_s1054" name="Document" r:id="rId3" imgW="3860640" imgH="1805040" progId="Word.OpenDocumentText.12">
                   <p:embed/>
                 </p:oleObj>
               </mc:Choice>
@@ -8950,7 +8950,7 @@
           <a:graphicData uri="http://schemas.openxmlformats.org/presentationml/2006/ole">
             <mc:AlternateContent xmlns:mc="http://schemas.openxmlformats.org/markup-compatibility/2006">
               <mc:Choice xmlns:v="urn:schemas-microsoft-com:vml" Requires="v">
-                <p:oleObj spid="_x0000_s1053" name="Document" r:id="rId5" imgW="4312800" imgH="2797200" progId="Word.OpenDocumentText.12">
+                <p:oleObj spid="_x0000_s1055" name="Document" r:id="rId5" imgW="4312800" imgH="2797200" progId="Word.OpenDocumentText.12">
                   <p:embed/>
                 </p:oleObj>
               </mc:Choice>
@@ -9174,7 +9174,7 @@
           <a:graphicData uri="http://schemas.openxmlformats.org/presentationml/2006/ole">
             <mc:AlternateContent xmlns:mc="http://schemas.openxmlformats.org/markup-compatibility/2006">
               <mc:Choice xmlns:v="urn:schemas-microsoft-com:vml" Requires="v">
-                <p:oleObj spid="_x0000_s2076" name="Document" r:id="rId4" imgW="4052520" imgH="1749240" progId="Word.OpenDocumentText.12">
+                <p:oleObj spid="_x0000_s2078" name="Document" r:id="rId4" imgW="4052520" imgH="1749240" progId="Word.OpenDocumentText.12">
                   <p:embed/>
                 </p:oleObj>
               </mc:Choice>
@@ -9227,7 +9227,7 @@
           <a:graphicData uri="http://schemas.openxmlformats.org/presentationml/2006/ole">
             <mc:AlternateContent xmlns:mc="http://schemas.openxmlformats.org/markup-compatibility/2006">
               <mc:Choice xmlns:v="urn:schemas-microsoft-com:vml" Requires="v">
-                <p:oleObj spid="_x0000_s2077" name="Document" r:id="rId6" imgW="4052520" imgH="1749600" progId="Word.OpenDocumentText.12">
+                <p:oleObj spid="_x0000_s2079" name="Document" r:id="rId6" imgW="4052520" imgH="1749600" progId="Word.OpenDocumentText.12">
                   <p:embed/>
                 </p:oleObj>
               </mc:Choice>
